--- a/Rogers James/Repayment Analysis.pptx
+++ b/Rogers James/Repayment Analysis.pptx
@@ -108,6 +108,11 @@
       </a:defRPr>
     </a:lvl9pPr>
   </p:defaultTextStyle>
+  <p:extLst>
+    <p:ext uri="{EFAFB233-063F-42B5-8137-9DF3F51BA10A}">
+      <p15:sldGuideLst xmlns:p15="http://schemas.microsoft.com/office/powerpoint/2012/main"/>
+    </p:ext>
+  </p:extLst>
 </p:presentation>
 </file>
 
@@ -3634,16 +3639,28 @@
             <p:ph idx="1"/>
           </p:nvPr>
         </p:nvSpPr>
-        <p:spPr/>
+        <p:spPr>
+          <a:xfrm>
+            <a:off x="838200" y="1629452"/>
+            <a:ext cx="10515600" cy="4863423"/>
+          </a:xfrm>
+        </p:spPr>
         <p:txBody>
           <a:bodyPr>
-            <a:normAutofit lnSpcReduction="10000"/>
+            <a:normAutofit fontScale="92500" lnSpcReduction="10000"/>
           </a:bodyPr>
           <a:lstStyle/>
           <a:p>
             <a:r>
               <a:rPr lang="en-US" dirty="0"/>
-              <a:t>Clean Data</a:t>
+              <a:t>Download &amp; Clean Data</a:t>
+            </a:r>
+          </a:p>
+          <a:p>
+            <a:pPr lvl="1"/>
+            <a:r>
+              <a:rPr lang="en-US" dirty="0"/>
+              <a:t>https://www.listendata.com/2019/08/datasets-for-credit-risk-modeling.html</a:t>
             </a:r>
           </a:p>
           <a:p>
@@ -3655,7 +3672,7 @@
           <a:p>
             <a:r>
               <a:rPr lang="en-US" dirty="0"/>
-              <a:t>Create credit risk model to identify why counterparties default of their obligations</a:t>
+              <a:t>Create credit risk model to identify why counterparties default on their obligations</a:t>
             </a:r>
           </a:p>
           <a:p>
@@ -3675,18 +3692,20 @@
           <a:p>
             <a:pPr lvl="1"/>
             <a:r>
-              <a:rPr lang="en-US" dirty="0" err="1"/>
-              <a:t>Perdict</a:t>
-            </a:r>
-            <a:r>
               <a:rPr lang="en-US" dirty="0"/>
-              <a:t> a counterparties PD based on the data</a:t>
+              <a:t>Predict a counterparties PD based on the data</a:t>
             </a:r>
           </a:p>
           <a:p>
             <a:r>
               <a:rPr lang="en-US" dirty="0"/>
               <a:t>Compute the Recovery Rate relative to total exposure</a:t>
+            </a:r>
+          </a:p>
+          <a:p>
+            <a:r>
+              <a:rPr lang="en-US" dirty="0"/>
+              <a:t>Compute the LGD relative to exposure at the point of default</a:t>
             </a:r>
           </a:p>
           <a:p>
@@ -3810,6 +3829,12 @@
             <a:r>
               <a:rPr lang="en-US" dirty="0"/>
               <a:t>Microsoft Power Platform</a:t>
+            </a:r>
+          </a:p>
+          <a:p>
+            <a:r>
+              <a:rPr lang="en-US" dirty="0"/>
+              <a:t>Azure</a:t>
             </a:r>
           </a:p>
         </p:txBody>
